--- a/Vue.pptx
+++ b/Vue.pptx
@@ -5,18 +5,22 @@
     <p:sldMasterId id="2147483732" r:id="rId1"/>
   </p:sldMasterIdLst>
   <p:notesMasterIdLst>
-    <p:notesMasterId r:id="rId11"/>
+    <p:notesMasterId r:id="rId15"/>
   </p:notesMasterIdLst>
   <p:sldIdLst>
     <p:sldId id="256" r:id="rId2"/>
     <p:sldId id="257" r:id="rId3"/>
     <p:sldId id="258" r:id="rId4"/>
     <p:sldId id="259" r:id="rId5"/>
-    <p:sldId id="263" r:id="rId6"/>
-    <p:sldId id="264" r:id="rId7"/>
-    <p:sldId id="265" r:id="rId8"/>
-    <p:sldId id="261" r:id="rId9"/>
-    <p:sldId id="262" r:id="rId10"/>
+    <p:sldId id="269" r:id="rId6"/>
+    <p:sldId id="266" r:id="rId7"/>
+    <p:sldId id="268" r:id="rId8"/>
+    <p:sldId id="267" r:id="rId9"/>
+    <p:sldId id="263" r:id="rId10"/>
+    <p:sldId id="264" r:id="rId11"/>
+    <p:sldId id="265" r:id="rId12"/>
+    <p:sldId id="261" r:id="rId13"/>
+    <p:sldId id="262" r:id="rId14"/>
   </p:sldIdLst>
   <p:sldSz cx="12192000" cy="6858000"/>
   <p:notesSz cx="6858000" cy="9144000"/>
@@ -115,6 +119,11 @@
       </a:defRPr>
     </a:lvl9pPr>
   </p:defaultTextStyle>
+  <p:extLst>
+    <p:ext uri="{EFAFB233-063F-42B5-8137-9DF3F51BA10A}">
+      <p15:sldGuideLst xmlns:p15="http://schemas.microsoft.com/office/powerpoint/2012/main"/>
+    </p:ext>
+  </p:extLst>
 </p:presentation>
 </file>
 
@@ -200,7 +209,7 @@
           <a:p>
             <a:fld id="{55F8373D-1D0F-45EE-AF31-210D17D45FDA}" type="datetimeFigureOut">
               <a:rPr lang="en-US" smtClean="0"/>
-              <a:t>9/22/2019</a:t>
+              <a:t>10/3/2019</a:t>
             </a:fld>
             <a:endParaRPr lang="en-US"/>
           </a:p>
@@ -977,7 +986,7 @@
           <a:p>
             <a:fld id="{C3B894EB-AF30-42B3-8DE6-E96C93874116}" type="datetimeFigureOut">
               <a:rPr lang="en-US" smtClean="0"/>
-              <a:t>9/22/2019</a:t>
+              <a:t>10/3/2019</a:t>
             </a:fld>
             <a:endParaRPr lang="en-US"/>
           </a:p>
@@ -1391,7 +1400,7 @@
           <a:p>
             <a:fld id="{C3B894EB-AF30-42B3-8DE6-E96C93874116}" type="datetimeFigureOut">
               <a:rPr lang="en-US" smtClean="0"/>
-              <a:t>9/22/2019</a:t>
+              <a:t>10/3/2019</a:t>
             </a:fld>
             <a:endParaRPr lang="en-US"/>
           </a:p>
@@ -1727,7 +1736,7 @@
           <a:p>
             <a:fld id="{C3B894EB-AF30-42B3-8DE6-E96C93874116}" type="datetimeFigureOut">
               <a:rPr lang="en-US" smtClean="0"/>
-              <a:t>9/22/2019</a:t>
+              <a:t>10/3/2019</a:t>
             </a:fld>
             <a:endParaRPr lang="en-US"/>
           </a:p>
@@ -2132,7 +2141,7 @@
           <a:p>
             <a:fld id="{C3B894EB-AF30-42B3-8DE6-E96C93874116}" type="datetimeFigureOut">
               <a:rPr lang="en-US" smtClean="0"/>
-              <a:t>9/22/2019</a:t>
+              <a:t>10/3/2019</a:t>
             </a:fld>
             <a:endParaRPr lang="en-US"/>
           </a:p>
@@ -2700,7 +2709,7 @@
           <a:p>
             <a:fld id="{C3B894EB-AF30-42B3-8DE6-E96C93874116}" type="datetimeFigureOut">
               <a:rPr lang="en-US" smtClean="0"/>
-              <a:t>9/22/2019</a:t>
+              <a:t>10/3/2019</a:t>
             </a:fld>
             <a:endParaRPr lang="en-US"/>
           </a:p>
@@ -3381,7 +3390,7 @@
           <a:p>
             <a:fld id="{C3B894EB-AF30-42B3-8DE6-E96C93874116}" type="datetimeFigureOut">
               <a:rPr lang="en-US" smtClean="0"/>
-              <a:t>9/22/2019</a:t>
+              <a:t>10/3/2019</a:t>
             </a:fld>
             <a:endParaRPr lang="en-US"/>
           </a:p>
@@ -4294,7 +4303,7 @@
           <a:p>
             <a:fld id="{C3B894EB-AF30-42B3-8DE6-E96C93874116}" type="datetimeFigureOut">
               <a:rPr lang="en-US" smtClean="0"/>
-              <a:t>9/22/2019</a:t>
+              <a:t>10/3/2019</a:t>
             </a:fld>
             <a:endParaRPr lang="en-US"/>
           </a:p>
@@ -4607,7 +4616,7 @@
           <a:p>
             <a:fld id="{C3B894EB-AF30-42B3-8DE6-E96C93874116}" type="datetimeFigureOut">
               <a:rPr lang="en-US" smtClean="0"/>
-              <a:t>9/22/2019</a:t>
+              <a:t>10/3/2019</a:t>
             </a:fld>
             <a:endParaRPr lang="en-US"/>
           </a:p>
@@ -4871,7 +4880,7 @@
           <a:p>
             <a:fld id="{C3B894EB-AF30-42B3-8DE6-E96C93874116}" type="datetimeFigureOut">
               <a:rPr lang="en-US" smtClean="0"/>
-              <a:t>9/22/2019</a:t>
+              <a:t>10/3/2019</a:t>
             </a:fld>
             <a:endParaRPr lang="en-US"/>
           </a:p>
@@ -5194,7 +5203,7 @@
           <a:p>
             <a:fld id="{C3B894EB-AF30-42B3-8DE6-E96C93874116}" type="datetimeFigureOut">
               <a:rPr lang="en-US" smtClean="0"/>
-              <a:t>9/22/2019</a:t>
+              <a:t>10/3/2019</a:t>
             </a:fld>
             <a:endParaRPr lang="en-US"/>
           </a:p>
@@ -5583,7 +5592,7 @@
           <a:p>
             <a:fld id="{C3B894EB-AF30-42B3-8DE6-E96C93874116}" type="datetimeFigureOut">
               <a:rPr lang="en-US" smtClean="0"/>
-              <a:t>9/22/2019</a:t>
+              <a:t>10/3/2019</a:t>
             </a:fld>
             <a:endParaRPr lang="en-US"/>
           </a:p>
@@ -5959,7 +5968,7 @@
           <a:p>
             <a:fld id="{C3B894EB-AF30-42B3-8DE6-E96C93874116}" type="datetimeFigureOut">
               <a:rPr lang="en-US" smtClean="0"/>
-              <a:t>9/22/2019</a:t>
+              <a:t>10/3/2019</a:t>
             </a:fld>
             <a:endParaRPr lang="en-US"/>
           </a:p>
@@ -6465,7 +6474,7 @@
           <a:p>
             <a:fld id="{C3B894EB-AF30-42B3-8DE6-E96C93874116}" type="datetimeFigureOut">
               <a:rPr lang="en-US" smtClean="0"/>
-              <a:t>9/22/2019</a:t>
+              <a:t>10/3/2019</a:t>
             </a:fld>
             <a:endParaRPr lang="en-US"/>
           </a:p>
@@ -6722,7 +6731,7 @@
           <a:p>
             <a:fld id="{C3B894EB-AF30-42B3-8DE6-E96C93874116}" type="datetimeFigureOut">
               <a:rPr lang="en-US" smtClean="0"/>
-              <a:t>9/22/2019</a:t>
+              <a:t>10/3/2019</a:t>
             </a:fld>
             <a:endParaRPr lang="en-US"/>
           </a:p>
@@ -6885,7 +6894,7 @@
           <a:p>
             <a:fld id="{C3B894EB-AF30-42B3-8DE6-E96C93874116}" type="datetimeFigureOut">
               <a:rPr lang="en-US" smtClean="0"/>
-              <a:t>9/22/2019</a:t>
+              <a:t>10/3/2019</a:t>
             </a:fld>
             <a:endParaRPr lang="en-US"/>
           </a:p>
@@ -7275,7 +7284,7 @@
           <a:p>
             <a:fld id="{C3B894EB-AF30-42B3-8DE6-E96C93874116}" type="datetimeFigureOut">
               <a:rPr lang="en-US" smtClean="0"/>
-              <a:t>9/22/2019</a:t>
+              <a:t>10/3/2019</a:t>
             </a:fld>
             <a:endParaRPr lang="en-US"/>
           </a:p>
@@ -7684,7 +7693,7 @@
           <a:p>
             <a:fld id="{C3B894EB-AF30-42B3-8DE6-E96C93874116}" type="datetimeFigureOut">
               <a:rPr lang="en-US" smtClean="0"/>
-              <a:t>9/22/2019</a:t>
+              <a:t>10/3/2019</a:t>
             </a:fld>
             <a:endParaRPr lang="en-US"/>
           </a:p>
@@ -7928,7 +7937,7 @@
           <a:p>
             <a:fld id="{C3B894EB-AF30-42B3-8DE6-E96C93874116}" type="datetimeFigureOut">
               <a:rPr lang="en-US" smtClean="0"/>
-              <a:t>9/22/2019</a:t>
+              <a:t>10/3/2019</a:t>
             </a:fld>
             <a:endParaRPr lang="en-US"/>
           </a:p>
@@ -8394,6 +8403,520 @@
 </p:sld>
 </file>
 
+<file path=ppt/slides/slide10.xml><?xml version="1.0" encoding="utf-8"?>
+<p:sld xmlns:a="http://schemas.openxmlformats.org/drawingml/2006/main" xmlns:r="http://schemas.openxmlformats.org/officeDocument/2006/relationships" xmlns:p="http://schemas.openxmlformats.org/presentationml/2006/main">
+  <p:cSld>
+    <p:spTree>
+      <p:nvGrpSpPr>
+        <p:cNvPr id="1" name=""/>
+        <p:cNvGrpSpPr/>
+        <p:nvPr/>
+      </p:nvGrpSpPr>
+      <p:grpSpPr>
+        <a:xfrm>
+          <a:off x="0" y="0"/>
+          <a:ext cx="0" cy="0"/>
+          <a:chOff x="0" y="0"/>
+          <a:chExt cx="0" cy="0"/>
+        </a:xfrm>
+      </p:grpSpPr>
+      <p:sp>
+        <p:nvSpPr>
+          <p:cNvPr id="2" name="Title 1"/>
+          <p:cNvSpPr>
+            <a:spLocks noGrp="1"/>
+          </p:cNvSpPr>
+          <p:nvPr>
+            <p:ph type="title"/>
+          </p:nvPr>
+        </p:nvSpPr>
+        <p:spPr/>
+        <p:txBody>
+          <a:bodyPr>
+            <a:normAutofit/>
+          </a:bodyPr>
+          <a:lstStyle/>
+          <a:p>
+            <a:r>
+              <a:rPr lang="en-US" sz="4400" dirty="0" smtClean="0"/>
+              <a:t>Simple Example of Vue.js</a:t>
+            </a:r>
+            <a:endParaRPr lang="en-US" sz="4400" dirty="0"/>
+          </a:p>
+        </p:txBody>
+      </p:sp>
+      <p:sp>
+        <p:nvSpPr>
+          <p:cNvPr id="3" name="Content Placeholder 2"/>
+          <p:cNvSpPr>
+            <a:spLocks noGrp="1"/>
+          </p:cNvSpPr>
+          <p:nvPr>
+            <p:ph idx="1"/>
+          </p:nvPr>
+        </p:nvSpPr>
+        <p:spPr/>
+        <p:txBody>
+          <a:bodyPr>
+            <a:normAutofit fontScale="92500" lnSpcReduction="10000"/>
+          </a:bodyPr>
+          <a:lstStyle/>
+          <a:p>
+            <a:r>
+              <a:rPr lang="en-US" dirty="0" smtClean="0"/>
+              <a:t>HTML:	</a:t>
+            </a:r>
+            <a:r>
+              <a:rPr lang="en-US" sz="2200" dirty="0" smtClean="0">
+                <a:latin typeface="Century" panose="02040604050505020304" pitchFamily="18" charset="0"/>
+              </a:rPr>
+              <a:t>&lt;div id=‘app’&gt; {{ message }} &lt;/div&gt;</a:t>
+            </a:r>
+          </a:p>
+          <a:p>
+            <a:endParaRPr lang="en-US" dirty="0" smtClean="0"/>
+          </a:p>
+          <a:p>
+            <a:r>
+              <a:rPr lang="en-US" dirty="0" smtClean="0"/>
+              <a:t>JS:		</a:t>
+            </a:r>
+            <a:r>
+              <a:rPr lang="en-US" sz="2200" dirty="0" err="1" smtClean="0">
+                <a:latin typeface="Century" panose="02040604050505020304" pitchFamily="18" charset="0"/>
+              </a:rPr>
+              <a:t>var</a:t>
+            </a:r>
+            <a:r>
+              <a:rPr lang="en-US" sz="2200" dirty="0" smtClean="0">
+                <a:latin typeface="Century" panose="02040604050505020304" pitchFamily="18" charset="0"/>
+              </a:rPr>
+              <a:t> app = new </a:t>
+            </a:r>
+            <a:r>
+              <a:rPr lang="en-US" sz="2200" dirty="0" err="1" smtClean="0">
+                <a:latin typeface="Century" panose="02040604050505020304" pitchFamily="18" charset="0"/>
+              </a:rPr>
+              <a:t>Vue</a:t>
+            </a:r>
+            <a:r>
+              <a:rPr lang="en-US" sz="2200" dirty="0" smtClean="0">
+                <a:latin typeface="Century" panose="02040604050505020304" pitchFamily="18" charset="0"/>
+              </a:rPr>
+              <a:t> ({</a:t>
+            </a:r>
+          </a:p>
+          <a:p>
+            <a:pPr marL="1371600" lvl="3" indent="0">
+              <a:buNone/>
+            </a:pPr>
+            <a:r>
+              <a:rPr lang="en-US" sz="2200" dirty="0">
+                <a:latin typeface="Century" panose="02040604050505020304" pitchFamily="18" charset="0"/>
+              </a:rPr>
+              <a:t>	</a:t>
+            </a:r>
+            <a:r>
+              <a:rPr lang="en-US" sz="2200" dirty="0" smtClean="0">
+                <a:latin typeface="Century" panose="02040604050505020304" pitchFamily="18" charset="0"/>
+              </a:rPr>
+              <a:t>	el: ‘#app’, </a:t>
+            </a:r>
+          </a:p>
+          <a:p>
+            <a:pPr marL="1371600" lvl="3" indent="0">
+              <a:buNone/>
+            </a:pPr>
+            <a:r>
+              <a:rPr lang="en-US" sz="2200" dirty="0">
+                <a:latin typeface="Century" panose="02040604050505020304" pitchFamily="18" charset="0"/>
+              </a:rPr>
+              <a:t>	</a:t>
+            </a:r>
+            <a:r>
+              <a:rPr lang="en-US" sz="2200" dirty="0" smtClean="0">
+                <a:latin typeface="Century" panose="02040604050505020304" pitchFamily="18" charset="0"/>
+              </a:rPr>
+              <a:t>	data: {</a:t>
+            </a:r>
+          </a:p>
+          <a:p>
+            <a:pPr marL="1371600" lvl="3" indent="0">
+              <a:buNone/>
+            </a:pPr>
+            <a:r>
+              <a:rPr lang="en-US" sz="2200" dirty="0">
+                <a:latin typeface="Century" panose="02040604050505020304" pitchFamily="18" charset="0"/>
+              </a:rPr>
+              <a:t>	</a:t>
+            </a:r>
+            <a:r>
+              <a:rPr lang="en-US" sz="2200" dirty="0" smtClean="0">
+                <a:latin typeface="Century" panose="02040604050505020304" pitchFamily="18" charset="0"/>
+              </a:rPr>
+              <a:t>		message: ‘Hello </a:t>
+            </a:r>
+            <a:r>
+              <a:rPr lang="en-US" sz="2200" dirty="0" err="1" smtClean="0">
+                <a:latin typeface="Century" panose="02040604050505020304" pitchFamily="18" charset="0"/>
+              </a:rPr>
+              <a:t>Vue</a:t>
+            </a:r>
+            <a:r>
+              <a:rPr lang="en-US" sz="2200" dirty="0" smtClean="0">
+                <a:latin typeface="Century" panose="02040604050505020304" pitchFamily="18" charset="0"/>
+              </a:rPr>
+              <a:t>!’</a:t>
+            </a:r>
+          </a:p>
+          <a:p>
+            <a:pPr marL="1371600" lvl="3" indent="0">
+              <a:buNone/>
+            </a:pPr>
+            <a:r>
+              <a:rPr lang="en-US" sz="2200" dirty="0">
+                <a:latin typeface="Century" panose="02040604050505020304" pitchFamily="18" charset="0"/>
+              </a:rPr>
+              <a:t>	</a:t>
+            </a:r>
+            <a:r>
+              <a:rPr lang="en-US" sz="2200" dirty="0" smtClean="0">
+                <a:latin typeface="Century" panose="02040604050505020304" pitchFamily="18" charset="0"/>
+              </a:rPr>
+              <a:t>	}</a:t>
+            </a:r>
+          </a:p>
+          <a:p>
+            <a:pPr marL="1371600" lvl="3" indent="0">
+              <a:buNone/>
+            </a:pPr>
+            <a:r>
+              <a:rPr lang="en-US" sz="2200" dirty="0">
+                <a:latin typeface="Century" panose="02040604050505020304" pitchFamily="18" charset="0"/>
+              </a:rPr>
+              <a:t>	</a:t>
+            </a:r>
+            <a:r>
+              <a:rPr lang="en-US" sz="2200" dirty="0" smtClean="0">
+                <a:latin typeface="Century" panose="02040604050505020304" pitchFamily="18" charset="0"/>
+              </a:rPr>
+              <a:t>})</a:t>
+            </a:r>
+          </a:p>
+          <a:p>
+            <a:pPr marL="1371600" lvl="3" indent="0">
+              <a:buNone/>
+            </a:pPr>
+            <a:endParaRPr lang="en-US" dirty="0"/>
+          </a:p>
+          <a:p>
+            <a:pPr marL="1371600" lvl="3" indent="0">
+              <a:buNone/>
+            </a:pPr>
+            <a:endParaRPr lang="en-US" dirty="0" smtClean="0"/>
+          </a:p>
+          <a:p>
+            <a:r>
+              <a:rPr lang="en-US" dirty="0" smtClean="0"/>
+              <a:t>Result:	Hello </a:t>
+            </a:r>
+            <a:r>
+              <a:rPr lang="en-US" dirty="0" err="1" smtClean="0"/>
+              <a:t>Vue</a:t>
+            </a:r>
+            <a:r>
+              <a:rPr lang="en-US" dirty="0" smtClean="0"/>
+              <a:t>!</a:t>
+            </a:r>
+          </a:p>
+        </p:txBody>
+      </p:sp>
+    </p:spTree>
+    <p:extLst>
+      <p:ext uri="{BB962C8B-B14F-4D97-AF65-F5344CB8AC3E}">
+        <p14:creationId xmlns:p14="http://schemas.microsoft.com/office/powerpoint/2010/main" val="655002601"/>
+      </p:ext>
+    </p:extLst>
+  </p:cSld>
+  <p:clrMapOvr>
+    <a:masterClrMapping/>
+  </p:clrMapOvr>
+</p:sld>
+</file>
+
+<file path=ppt/slides/slide11.xml><?xml version="1.0" encoding="utf-8"?>
+<p:sld xmlns:a="http://schemas.openxmlformats.org/drawingml/2006/main" xmlns:r="http://schemas.openxmlformats.org/officeDocument/2006/relationships" xmlns:p="http://schemas.openxmlformats.org/presentationml/2006/main">
+  <p:cSld>
+    <p:spTree>
+      <p:nvGrpSpPr>
+        <p:cNvPr id="1" name=""/>
+        <p:cNvGrpSpPr/>
+        <p:nvPr/>
+      </p:nvGrpSpPr>
+      <p:grpSpPr>
+        <a:xfrm>
+          <a:off x="0" y="0"/>
+          <a:ext cx="0" cy="0"/>
+          <a:chOff x="0" y="0"/>
+          <a:chExt cx="0" cy="0"/>
+        </a:xfrm>
+      </p:grpSpPr>
+      <p:sp>
+        <p:nvSpPr>
+          <p:cNvPr id="2" name="Title 1"/>
+          <p:cNvSpPr>
+            <a:spLocks noGrp="1"/>
+          </p:cNvSpPr>
+          <p:nvPr>
+            <p:ph type="title"/>
+          </p:nvPr>
+        </p:nvSpPr>
+        <p:spPr/>
+        <p:txBody>
+          <a:bodyPr>
+            <a:normAutofit/>
+          </a:bodyPr>
+          <a:lstStyle/>
+          <a:p>
+            <a:r>
+              <a:rPr lang="en-US" sz="4400" dirty="0" smtClean="0"/>
+              <a:t>Our Example I</a:t>
+            </a:r>
+            <a:endParaRPr lang="en-US" sz="4400" dirty="0"/>
+          </a:p>
+        </p:txBody>
+      </p:sp>
+      <p:sp>
+        <p:nvSpPr>
+          <p:cNvPr id="3" name="Content Placeholder 2"/>
+          <p:cNvSpPr>
+            <a:spLocks noGrp="1"/>
+          </p:cNvSpPr>
+          <p:nvPr>
+            <p:ph idx="1"/>
+          </p:nvPr>
+        </p:nvSpPr>
+        <p:spPr/>
+        <p:txBody>
+          <a:bodyPr>
+            <a:normAutofit/>
+          </a:bodyPr>
+          <a:lstStyle/>
+          <a:p>
+            <a:pPr marL="0" indent="0">
+              <a:buNone/>
+            </a:pPr>
+            <a:r>
+              <a:rPr lang="en-US" sz="3200" dirty="0" smtClean="0"/>
+              <a:t>Dynamic Student Rating List</a:t>
+            </a:r>
+            <a:endParaRPr lang="en-US" sz="3200" dirty="0"/>
+          </a:p>
+        </p:txBody>
+      </p:sp>
+    </p:spTree>
+    <p:extLst>
+      <p:ext uri="{BB962C8B-B14F-4D97-AF65-F5344CB8AC3E}">
+        <p14:creationId xmlns:p14="http://schemas.microsoft.com/office/powerpoint/2010/main" val="1318162128"/>
+      </p:ext>
+    </p:extLst>
+  </p:cSld>
+  <p:clrMapOvr>
+    <a:masterClrMapping/>
+  </p:clrMapOvr>
+</p:sld>
+</file>
+
+<file path=ppt/slides/slide12.xml><?xml version="1.0" encoding="utf-8"?>
+<p:sld xmlns:a="http://schemas.openxmlformats.org/drawingml/2006/main" xmlns:r="http://schemas.openxmlformats.org/officeDocument/2006/relationships" xmlns:p="http://schemas.openxmlformats.org/presentationml/2006/main">
+  <p:cSld>
+    <p:spTree>
+      <p:nvGrpSpPr>
+        <p:cNvPr id="1" name=""/>
+        <p:cNvGrpSpPr/>
+        <p:nvPr/>
+      </p:nvGrpSpPr>
+      <p:grpSpPr>
+        <a:xfrm>
+          <a:off x="0" y="0"/>
+          <a:ext cx="0" cy="0"/>
+          <a:chOff x="0" y="0"/>
+          <a:chExt cx="0" cy="0"/>
+        </a:xfrm>
+      </p:grpSpPr>
+      <p:sp>
+        <p:nvSpPr>
+          <p:cNvPr id="2" name="Title 1"/>
+          <p:cNvSpPr>
+            <a:spLocks noGrp="1"/>
+          </p:cNvSpPr>
+          <p:nvPr>
+            <p:ph type="title"/>
+          </p:nvPr>
+        </p:nvSpPr>
+        <p:spPr/>
+        <p:txBody>
+          <a:bodyPr>
+            <a:normAutofit/>
+          </a:bodyPr>
+          <a:lstStyle/>
+          <a:p>
+            <a:r>
+              <a:rPr lang="en-US" sz="4400" dirty="0" smtClean="0"/>
+              <a:t>References</a:t>
+            </a:r>
+            <a:endParaRPr lang="en-US" sz="4400" dirty="0"/>
+          </a:p>
+        </p:txBody>
+      </p:sp>
+      <p:sp>
+        <p:nvSpPr>
+          <p:cNvPr id="3" name="Content Placeholder 2"/>
+          <p:cNvSpPr>
+            <a:spLocks noGrp="1"/>
+          </p:cNvSpPr>
+          <p:nvPr>
+            <p:ph idx="1"/>
+          </p:nvPr>
+        </p:nvSpPr>
+        <p:spPr/>
+        <p:txBody>
+          <a:bodyPr/>
+          <a:lstStyle/>
+          <a:p>
+            <a:r>
+              <a:rPr lang="en-US" dirty="0">
+                <a:hlinkClick r:id="rId2"/>
+              </a:rPr>
+              <a:t>https://</a:t>
+            </a:r>
+            <a:r>
+              <a:rPr lang="en-US" dirty="0" smtClean="0">
+                <a:hlinkClick r:id="rId2"/>
+              </a:rPr>
+              <a:t>en.wikipedia.org/wiki/Vue.js</a:t>
+            </a:r>
+            <a:endParaRPr lang="en-US" dirty="0" smtClean="0"/>
+          </a:p>
+          <a:p>
+            <a:r>
+              <a:rPr lang="en-US" dirty="0">
+                <a:hlinkClick r:id="rId3"/>
+              </a:rPr>
+              <a:t>https://</a:t>
+            </a:r>
+            <a:r>
+              <a:rPr lang="en-US" dirty="0" smtClean="0">
+                <a:hlinkClick r:id="rId3"/>
+              </a:rPr>
+              <a:t>www.w3schools.com/whatis/whatis_vue.asp</a:t>
+            </a:r>
+            <a:endParaRPr lang="en-US" dirty="0" smtClean="0"/>
+          </a:p>
+          <a:p>
+            <a:r>
+              <a:rPr lang="en-US" dirty="0">
+                <a:hlinkClick r:id="rId4"/>
+              </a:rPr>
+              <a:t>https://vuejs.org/v2/guide/</a:t>
+            </a:r>
+            <a:endParaRPr lang="en-US" dirty="0"/>
+          </a:p>
+        </p:txBody>
+      </p:sp>
+    </p:spTree>
+    <p:extLst>
+      <p:ext uri="{BB962C8B-B14F-4D97-AF65-F5344CB8AC3E}">
+        <p14:creationId xmlns:p14="http://schemas.microsoft.com/office/powerpoint/2010/main" val="4283461519"/>
+      </p:ext>
+    </p:extLst>
+  </p:cSld>
+  <p:clrMapOvr>
+    <a:masterClrMapping/>
+  </p:clrMapOvr>
+</p:sld>
+</file>
+
+<file path=ppt/slides/slide13.xml><?xml version="1.0" encoding="utf-8"?>
+<p:sld xmlns:a="http://schemas.openxmlformats.org/drawingml/2006/main" xmlns:r="http://schemas.openxmlformats.org/officeDocument/2006/relationships" xmlns:p="http://schemas.openxmlformats.org/presentationml/2006/main">
+  <p:cSld>
+    <p:spTree>
+      <p:nvGrpSpPr>
+        <p:cNvPr id="1" name=""/>
+        <p:cNvGrpSpPr/>
+        <p:nvPr/>
+      </p:nvGrpSpPr>
+      <p:grpSpPr>
+        <a:xfrm>
+          <a:off x="0" y="0"/>
+          <a:ext cx="0" cy="0"/>
+          <a:chOff x="0" y="0"/>
+          <a:chExt cx="0" cy="0"/>
+        </a:xfrm>
+      </p:grpSpPr>
+      <p:sp>
+        <p:nvSpPr>
+          <p:cNvPr id="2" name="Title 1"/>
+          <p:cNvSpPr>
+            <a:spLocks noGrp="1"/>
+          </p:cNvSpPr>
+          <p:nvPr>
+            <p:ph type="title"/>
+          </p:nvPr>
+        </p:nvSpPr>
+        <p:spPr/>
+        <p:txBody>
+          <a:bodyPr>
+            <a:normAutofit/>
+          </a:bodyPr>
+          <a:lstStyle/>
+          <a:p>
+            <a:r>
+              <a:rPr lang="en-US" sz="4400" dirty="0" smtClean="0"/>
+              <a:t>The End</a:t>
+            </a:r>
+            <a:endParaRPr lang="en-US" sz="4400" dirty="0"/>
+          </a:p>
+        </p:txBody>
+      </p:sp>
+      <p:sp>
+        <p:nvSpPr>
+          <p:cNvPr id="3" name="Content Placeholder 2"/>
+          <p:cNvSpPr>
+            <a:spLocks noGrp="1"/>
+          </p:cNvSpPr>
+          <p:nvPr>
+            <p:ph idx="1"/>
+          </p:nvPr>
+        </p:nvSpPr>
+        <p:spPr/>
+        <p:txBody>
+          <a:bodyPr>
+            <a:normAutofit/>
+          </a:bodyPr>
+          <a:lstStyle/>
+          <a:p>
+            <a:r>
+              <a:rPr lang="en-US" sz="3200" dirty="0" smtClean="0"/>
+              <a:t>Hope You Enjoyed!</a:t>
+            </a:r>
+            <a:endParaRPr lang="en-US" sz="3200" dirty="0"/>
+          </a:p>
+        </p:txBody>
+      </p:sp>
+    </p:spTree>
+    <p:extLst>
+      <p:ext uri="{BB962C8B-B14F-4D97-AF65-F5344CB8AC3E}">
+        <p14:creationId xmlns:p14="http://schemas.microsoft.com/office/powerpoint/2010/main" val="3963658789"/>
+      </p:ext>
+    </p:extLst>
+  </p:cSld>
+  <p:clrMapOvr>
+    <a:masterClrMapping/>
+  </p:clrMapOvr>
+</p:sld>
+</file>
+
 <file path=ppt/slides/slide2.xml><?xml version="1.0" encoding="utf-8"?>
 <p:sld xmlns:a="http://schemas.openxmlformats.org/drawingml/2006/main" xmlns:r="http://schemas.openxmlformats.org/officeDocument/2006/relationships" xmlns:p="http://schemas.openxmlformats.org/presentationml/2006/main">
   <p:cSld>
@@ -8423,14 +8946,16 @@
         </p:nvSpPr>
         <p:spPr/>
         <p:txBody>
-          <a:bodyPr/>
+          <a:bodyPr>
+            <a:normAutofit/>
+          </a:bodyPr>
           <a:lstStyle/>
           <a:p>
             <a:r>
-              <a:rPr lang="en-US" dirty="0" smtClean="0"/>
+              <a:rPr lang="en-US" sz="4400" dirty="0" smtClean="0"/>
               <a:t>Team Members</a:t>
             </a:r>
-            <a:endParaRPr lang="en-US" dirty="0"/>
+            <a:endParaRPr lang="en-US" sz="4400" dirty="0"/>
           </a:p>
         </p:txBody>
       </p:sp>
@@ -8520,34 +9045,36 @@
         </p:nvSpPr>
         <p:spPr/>
         <p:txBody>
+          <a:bodyPr>
+            <a:normAutofit/>
+          </a:bodyPr>
+          <a:lstStyle/>
+          <a:p>
+            <a:r>
+              <a:rPr lang="en-US" sz="4400" dirty="0" smtClean="0"/>
+              <a:t>What is Vue.js?</a:t>
+            </a:r>
+            <a:endParaRPr lang="en-US" sz="4400" dirty="0"/>
+          </a:p>
+        </p:txBody>
+      </p:sp>
+      <p:sp>
+        <p:nvSpPr>
+          <p:cNvPr id="3" name="Content Placeholder 2"/>
+          <p:cNvSpPr>
+            <a:spLocks noGrp="1"/>
+          </p:cNvSpPr>
+          <p:nvPr>
+            <p:ph idx="1"/>
+          </p:nvPr>
+        </p:nvSpPr>
+        <p:spPr/>
+        <p:txBody>
           <a:bodyPr/>
           <a:lstStyle/>
           <a:p>
             <a:r>
               <a:rPr lang="en-US" dirty="0" smtClean="0"/>
-              <a:t>What is Vue.js?</a:t>
-            </a:r>
-            <a:endParaRPr lang="en-US" dirty="0"/>
-          </a:p>
-        </p:txBody>
-      </p:sp>
-      <p:sp>
-        <p:nvSpPr>
-          <p:cNvPr id="3" name="Content Placeholder 2"/>
-          <p:cNvSpPr>
-            <a:spLocks noGrp="1"/>
-          </p:cNvSpPr>
-          <p:nvPr>
-            <p:ph idx="1"/>
-          </p:nvPr>
-        </p:nvSpPr>
-        <p:spPr/>
-        <p:txBody>
-          <a:bodyPr/>
-          <a:lstStyle/>
-          <a:p>
-            <a:r>
-              <a:rPr lang="en-US" dirty="0" smtClean="0"/>
               <a:t>A Progressive Framework for building user interfaces</a:t>
             </a:r>
           </a:p>
@@ -8575,7 +9102,15 @@
           <a:p>
             <a:r>
               <a:rPr lang="en-US" dirty="0" smtClean="0"/>
-              <a:t>Designed from the group-up to be incrementally adoptable</a:t>
+              <a:t>Designed from the </a:t>
+            </a:r>
+            <a:r>
+              <a:rPr lang="en-US" dirty="0" smtClean="0"/>
+              <a:t>ground-up </a:t>
+            </a:r>
+            <a:r>
+              <a:rPr lang="en-US" dirty="0" smtClean="0"/>
+              <a:t>to be incrementally adoptable</a:t>
             </a:r>
           </a:p>
           <a:p>
@@ -8630,14 +9165,16 @@
         </p:nvSpPr>
         <p:spPr/>
         <p:txBody>
-          <a:bodyPr/>
+          <a:bodyPr>
+            <a:normAutofit/>
+          </a:bodyPr>
           <a:lstStyle/>
           <a:p>
             <a:r>
-              <a:rPr lang="en-US" dirty="0" smtClean="0"/>
+              <a:rPr lang="en-US" sz="4400" dirty="0" smtClean="0"/>
               <a:t>History of Vue.js</a:t>
             </a:r>
-            <a:endParaRPr lang="en-US" dirty="0"/>
+            <a:endParaRPr lang="en-US" sz="4400" dirty="0"/>
           </a:p>
         </p:txBody>
       </p:sp>
@@ -8653,36 +9190,38 @@
         </p:nvSpPr>
         <p:spPr/>
         <p:txBody>
-          <a:bodyPr/>
+          <a:bodyPr>
+            <a:normAutofit/>
+          </a:bodyPr>
           <a:lstStyle/>
           <a:p>
             <a:r>
-              <a:rPr lang="en-US" dirty="0" smtClean="0"/>
+              <a:rPr lang="en-US" sz="3200" dirty="0" smtClean="0"/>
               <a:t>Created by Evan You in 2014</a:t>
             </a:r>
           </a:p>
           <a:p>
-            <a:endParaRPr lang="en-US" dirty="0" smtClean="0"/>
-          </a:p>
-          <a:p>
-            <a:r>
-              <a:rPr lang="en-US" dirty="0" smtClean="0"/>
+            <a:endParaRPr lang="en-US" sz="3200" dirty="0" smtClean="0"/>
+          </a:p>
+          <a:p>
+            <a:r>
+              <a:rPr lang="en-US" sz="3200" dirty="0" smtClean="0"/>
               <a:t>Wanted something “Really Lightweight”</a:t>
             </a:r>
           </a:p>
           <a:p>
-            <a:endParaRPr lang="en-US" dirty="0"/>
-          </a:p>
-          <a:p>
-            <a:r>
-              <a:rPr lang="en-US" dirty="0" smtClean="0"/>
+            <a:endParaRPr lang="en-US" sz="3200" dirty="0"/>
+          </a:p>
+          <a:p>
+            <a:r>
+              <a:rPr lang="en-US" sz="3200" dirty="0" smtClean="0"/>
               <a:t>Currently on version 2.6</a:t>
             </a:r>
           </a:p>
           <a:p>
             <a:pPr lvl="1"/>
             <a:r>
-              <a:rPr lang="en-US" dirty="0" smtClean="0"/>
+              <a:rPr lang="en-US" sz="2800" dirty="0" smtClean="0"/>
               <a:t>14 previous versions</a:t>
             </a:r>
           </a:p>
@@ -8730,14 +9269,20 @@
         </p:nvSpPr>
         <p:spPr/>
         <p:txBody>
-          <a:bodyPr/>
+          <a:bodyPr>
+            <a:normAutofit/>
+          </a:bodyPr>
           <a:lstStyle/>
           <a:p>
             <a:r>
-              <a:rPr lang="en-US" dirty="0" smtClean="0"/>
-              <a:t>Simple Way of Including Vue.js</a:t>
-            </a:r>
-            <a:endParaRPr lang="en-US" dirty="0"/>
+              <a:rPr lang="en-US" sz="4400" dirty="0" err="1" smtClean="0"/>
+              <a:t>Vue</a:t>
+            </a:r>
+            <a:r>
+              <a:rPr lang="en-US" sz="4400" dirty="0" smtClean="0"/>
+              <a:t> Directives</a:t>
+            </a:r>
+            <a:endParaRPr lang="en-US" sz="4400" dirty="0"/>
           </a:p>
         </p:txBody>
       </p:sp>
@@ -8753,213 +9298,53 @@
         </p:nvSpPr>
         <p:spPr/>
         <p:txBody>
-          <a:bodyPr/>
+          <a:bodyPr>
+            <a:normAutofit/>
+          </a:bodyPr>
           <a:lstStyle/>
           <a:p>
             <a:r>
-              <a:rPr lang="en-US" dirty="0" smtClean="0"/>
-              <a:t>At the top of your index.html file include the following:</a:t>
-            </a:r>
-          </a:p>
-          <a:p>
-            <a:pPr marL="0" indent="0">
-              <a:buNone/>
-            </a:pPr>
-            <a:endParaRPr lang="en-US" dirty="0" smtClean="0"/>
-          </a:p>
-          <a:p>
-            <a:pPr marL="0" indent="0">
-              <a:buNone/>
-            </a:pPr>
-            <a:endParaRPr lang="en-US" dirty="0" smtClean="0"/>
-          </a:p>
-          <a:p>
-            <a:pPr marL="0" indent="0">
-              <a:buNone/>
-            </a:pPr>
-            <a:r>
-              <a:rPr lang="en-US" sz="2000" dirty="0">
-                <a:latin typeface="Century" panose="02040604050505020304" pitchFamily="18" charset="0"/>
-              </a:rPr>
-              <a:t>&lt;!-- development version, includes helpful console warnings </a:t>
-            </a:r>
-            <a:r>
-              <a:rPr lang="en-US" sz="2000" dirty="0" smtClean="0">
-                <a:latin typeface="Century" panose="02040604050505020304" pitchFamily="18" charset="0"/>
-              </a:rPr>
-              <a:t>--&gt;</a:t>
-            </a:r>
-          </a:p>
-          <a:p>
-            <a:pPr marL="0" indent="0">
-              <a:buNone/>
-            </a:pPr>
-            <a:r>
-              <a:rPr lang="en-US" sz="2000" dirty="0" smtClean="0">
-                <a:latin typeface="Century" panose="02040604050505020304" pitchFamily="18" charset="0"/>
-              </a:rPr>
-              <a:t> </a:t>
-            </a:r>
-            <a:r>
-              <a:rPr lang="en-US" sz="2000" dirty="0">
-                <a:solidFill>
-                  <a:schemeClr val="accent4">
-                    <a:lumMod val="60000"/>
-                    <a:lumOff val="40000"/>
-                  </a:schemeClr>
-                </a:solidFill>
-                <a:latin typeface="Century" panose="02040604050505020304" pitchFamily="18" charset="0"/>
-              </a:rPr>
-              <a:t>&lt;</a:t>
-            </a:r>
-            <a:r>
-              <a:rPr lang="en-US" sz="2000" dirty="0" smtClean="0">
-                <a:solidFill>
-                  <a:schemeClr val="accent4">
-                    <a:lumMod val="60000"/>
-                    <a:lumOff val="40000"/>
-                  </a:schemeClr>
-                </a:solidFill>
-                <a:latin typeface="Century" panose="02040604050505020304" pitchFamily="18" charset="0"/>
-              </a:rPr>
-              <a:t>script </a:t>
-            </a:r>
-            <a:r>
-              <a:rPr lang="en-US" sz="2000" dirty="0" err="1" smtClean="0">
-                <a:solidFill>
-                  <a:schemeClr val="accent4">
-                    <a:lumMod val="60000"/>
-                    <a:lumOff val="40000"/>
-                  </a:schemeClr>
-                </a:solidFill>
-                <a:latin typeface="Century" panose="02040604050505020304" pitchFamily="18" charset="0"/>
-              </a:rPr>
-              <a:t>src</a:t>
-            </a:r>
-            <a:r>
-              <a:rPr lang="en-US" sz="2000" dirty="0">
-                <a:solidFill>
-                  <a:schemeClr val="accent4">
-                    <a:lumMod val="60000"/>
-                    <a:lumOff val="40000"/>
-                  </a:schemeClr>
-                </a:solidFill>
-                <a:latin typeface="Century" panose="02040604050505020304" pitchFamily="18" charset="0"/>
-              </a:rPr>
-              <a:t>="</a:t>
-            </a:r>
-            <a:r>
-              <a:rPr lang="en-US" sz="2000" dirty="0">
-                <a:solidFill>
-                  <a:schemeClr val="accent3">
-                    <a:lumMod val="60000"/>
-                    <a:lumOff val="40000"/>
-                  </a:schemeClr>
-                </a:solidFill>
-                <a:latin typeface="Century" panose="02040604050505020304" pitchFamily="18" charset="0"/>
-              </a:rPr>
-              <a:t>https://cdn.jsdelivr.net/</a:t>
-            </a:r>
-            <a:r>
-              <a:rPr lang="en-US" sz="2000" dirty="0" err="1">
-                <a:solidFill>
-                  <a:schemeClr val="accent3">
-                    <a:lumMod val="60000"/>
-                    <a:lumOff val="40000"/>
-                  </a:schemeClr>
-                </a:solidFill>
-                <a:latin typeface="Century" panose="02040604050505020304" pitchFamily="18" charset="0"/>
-              </a:rPr>
-              <a:t>npm</a:t>
-            </a:r>
-            <a:r>
-              <a:rPr lang="en-US" sz="2000" dirty="0">
-                <a:solidFill>
-                  <a:schemeClr val="accent3">
-                    <a:lumMod val="60000"/>
-                    <a:lumOff val="40000"/>
-                  </a:schemeClr>
-                </a:solidFill>
-                <a:latin typeface="Century" panose="02040604050505020304" pitchFamily="18" charset="0"/>
-              </a:rPr>
-              <a:t>/</a:t>
-            </a:r>
-            <a:r>
-              <a:rPr lang="en-US" sz="2000" dirty="0" err="1">
-                <a:solidFill>
-                  <a:schemeClr val="accent3">
-                    <a:lumMod val="60000"/>
-                    <a:lumOff val="40000"/>
-                  </a:schemeClr>
-                </a:solidFill>
-                <a:latin typeface="Century" panose="02040604050505020304" pitchFamily="18" charset="0"/>
-              </a:rPr>
-              <a:t>vue</a:t>
-            </a:r>
-            <a:r>
-              <a:rPr lang="en-US" sz="2000" dirty="0">
-                <a:solidFill>
-                  <a:schemeClr val="accent3">
-                    <a:lumMod val="60000"/>
-                    <a:lumOff val="40000"/>
-                  </a:schemeClr>
-                </a:solidFill>
-                <a:latin typeface="Century" panose="02040604050505020304" pitchFamily="18" charset="0"/>
-              </a:rPr>
-              <a:t>/</a:t>
-            </a:r>
-            <a:r>
-              <a:rPr lang="en-US" sz="2000" dirty="0" err="1">
-                <a:solidFill>
-                  <a:schemeClr val="accent3">
-                    <a:lumMod val="60000"/>
-                    <a:lumOff val="40000"/>
-                  </a:schemeClr>
-                </a:solidFill>
-                <a:latin typeface="Century" panose="02040604050505020304" pitchFamily="18" charset="0"/>
-              </a:rPr>
-              <a:t>dist</a:t>
-            </a:r>
-            <a:r>
-              <a:rPr lang="en-US" sz="2000" dirty="0">
-                <a:solidFill>
-                  <a:schemeClr val="accent3">
-                    <a:lumMod val="60000"/>
-                    <a:lumOff val="40000"/>
-                  </a:schemeClr>
-                </a:solidFill>
-                <a:latin typeface="Century" panose="02040604050505020304" pitchFamily="18" charset="0"/>
-              </a:rPr>
-              <a:t>/vue.js"</a:t>
-            </a:r>
-            <a:r>
-              <a:rPr lang="en-US" sz="2000" dirty="0">
-                <a:solidFill>
-                  <a:schemeClr val="accent4">
-                    <a:lumMod val="60000"/>
-                    <a:lumOff val="40000"/>
-                  </a:schemeClr>
-                </a:solidFill>
-                <a:latin typeface="Century" panose="02040604050505020304" pitchFamily="18" charset="0"/>
-              </a:rPr>
-              <a:t>&gt;&lt;/script&gt;</a:t>
-            </a:r>
-            <a:endParaRPr lang="en-US" sz="2000" dirty="0">
-              <a:solidFill>
-                <a:schemeClr val="accent4">
-                  <a:lumMod val="60000"/>
-                  <a:lumOff val="40000"/>
-                </a:schemeClr>
-              </a:solidFill>
-              <a:latin typeface="Century" panose="02040604050505020304" pitchFamily="18" charset="0"/>
-            </a:endParaRPr>
+              <a:rPr lang="en-US" sz="2800" dirty="0" smtClean="0"/>
+              <a:t>Vue.js lets you extend HTML with HTML attributes called directives</a:t>
+            </a:r>
+          </a:p>
+          <a:p>
+            <a:r>
+              <a:rPr lang="en-US" sz="2800" dirty="0" smtClean="0"/>
+              <a:t>Directives offer functionality to HTML applications</a:t>
+            </a:r>
+          </a:p>
+          <a:p>
+            <a:r>
+              <a:rPr lang="en-US" sz="2800" dirty="0" smtClean="0"/>
+              <a:t>Vue.js uses double braces </a:t>
+            </a:r>
+            <a:r>
+              <a:rPr lang="en-US" sz="2800" b="1" dirty="0" smtClean="0"/>
+              <a:t>{{ }} </a:t>
+            </a:r>
+            <a:r>
+              <a:rPr lang="en-US" sz="2800" dirty="0" smtClean="0"/>
+              <a:t>as placeholders for data</a:t>
+            </a:r>
+          </a:p>
+          <a:p>
+            <a:r>
+              <a:rPr lang="en-US" sz="2800" dirty="0" smtClean="0"/>
+              <a:t>Vue.js directives are HTML attributes with the prefix </a:t>
+            </a:r>
+            <a:r>
+              <a:rPr lang="en-US" sz="2800" b="1" dirty="0" smtClean="0"/>
+              <a:t>v-</a:t>
+            </a:r>
+            <a:endParaRPr lang="en-US" sz="2800" b="1" dirty="0"/>
           </a:p>
         </p:txBody>
       </p:sp>
     </p:spTree>
     <p:extLst>
       <p:ext uri="{BB962C8B-B14F-4D97-AF65-F5344CB8AC3E}">
-        <p14:creationId xmlns:p14="http://schemas.microsoft.com/office/powerpoint/2010/main" val="1560752485"/>
+        <p14:creationId xmlns:p14="http://schemas.microsoft.com/office/powerpoint/2010/main" val="12390101"/>
       </p:ext>
     </p:extLst>
   </p:cSld>
@@ -8998,207 +9383,75 @@
         </p:nvSpPr>
         <p:spPr/>
         <p:txBody>
-          <a:bodyPr/>
-          <a:lstStyle/>
-          <a:p>
-            <a:r>
-              <a:rPr lang="en-US" dirty="0" smtClean="0"/>
-              <a:t>Simple Example of Vue.js</a:t>
-            </a:r>
-            <a:endParaRPr lang="en-US" dirty="0"/>
-          </a:p>
-        </p:txBody>
-      </p:sp>
-      <p:sp>
-        <p:nvSpPr>
-          <p:cNvPr id="3" name="Content Placeholder 2"/>
-          <p:cNvSpPr>
-            <a:spLocks noGrp="1"/>
-          </p:cNvSpPr>
-          <p:nvPr>
-            <p:ph idx="1"/>
-          </p:nvPr>
-        </p:nvSpPr>
-        <p:spPr/>
-        <p:txBody>
           <a:bodyPr>
-            <a:normAutofit fontScale="92500" lnSpcReduction="10000"/>
+            <a:normAutofit/>
           </a:bodyPr>
           <a:lstStyle/>
           <a:p>
             <a:r>
-              <a:rPr lang="en-US" dirty="0" smtClean="0"/>
-              <a:t>HTML:	</a:t>
-            </a:r>
-            <a:r>
-              <a:rPr lang="en-US" sz="2200" dirty="0" smtClean="0">
-                <a:latin typeface="Century" panose="02040604050505020304" pitchFamily="18" charset="0"/>
-              </a:rPr>
-              <a:t>&lt;div id=‘app’&gt; {{ message }} &lt;/div&gt;</a:t>
-            </a:r>
-          </a:p>
-          <a:p>
-            <a:endParaRPr lang="en-US" dirty="0" smtClean="0"/>
-          </a:p>
-          <a:p>
-            <a:r>
-              <a:rPr lang="en-US" dirty="0" smtClean="0"/>
-              <a:t>JS:		</a:t>
-            </a:r>
-            <a:r>
-              <a:rPr lang="en-US" sz="2200" dirty="0" err="1" smtClean="0">
-                <a:latin typeface="Century" panose="02040604050505020304" pitchFamily="18" charset="0"/>
-              </a:rPr>
-              <a:t>var</a:t>
-            </a:r>
-            <a:r>
-              <a:rPr lang="en-US" sz="2200" dirty="0" smtClean="0">
-                <a:latin typeface="Century" panose="02040604050505020304" pitchFamily="18" charset="0"/>
-              </a:rPr>
-              <a:t> app = new </a:t>
-            </a:r>
-            <a:r>
-              <a:rPr lang="en-US" sz="2200" dirty="0" err="1" smtClean="0">
-                <a:latin typeface="Century" panose="02040604050505020304" pitchFamily="18" charset="0"/>
-              </a:rPr>
+              <a:rPr lang="en-US" sz="4400" dirty="0" smtClean="0"/>
+              <a:t>Intro to </a:t>
+            </a:r>
+            <a:r>
+              <a:rPr lang="en-US" sz="4400" dirty="0" err="1" smtClean="0"/>
               <a:t>Vue</a:t>
             </a:r>
             <a:r>
-              <a:rPr lang="en-US" sz="2200" dirty="0" smtClean="0">
-                <a:latin typeface="Century" panose="02040604050505020304" pitchFamily="18" charset="0"/>
-              </a:rPr>
-              <a:t> ({</a:t>
-            </a:r>
-          </a:p>
-          <a:p>
-            <a:pPr marL="1371600" lvl="3" indent="0">
-              <a:buNone/>
-            </a:pPr>
-            <a:r>
-              <a:rPr lang="en-US" sz="2200" dirty="0">
-                <a:latin typeface="Century" panose="02040604050505020304" pitchFamily="18" charset="0"/>
-              </a:rPr>
-              <a:t>	</a:t>
-            </a:r>
-            <a:r>
-              <a:rPr lang="en-US" sz="2200" dirty="0" smtClean="0">
-                <a:latin typeface="Century" panose="02040604050505020304" pitchFamily="18" charset="0"/>
-              </a:rPr>
-              <a:t>	el: ‘#app’, </a:t>
-            </a:r>
-          </a:p>
-          <a:p>
-            <a:pPr marL="1371600" lvl="3" indent="0">
-              <a:buNone/>
-            </a:pPr>
-            <a:r>
-              <a:rPr lang="en-US" sz="2200" dirty="0">
-                <a:latin typeface="Century" panose="02040604050505020304" pitchFamily="18" charset="0"/>
-              </a:rPr>
-              <a:t>	</a:t>
-            </a:r>
-            <a:r>
-              <a:rPr lang="en-US" sz="2200" dirty="0" smtClean="0">
-                <a:latin typeface="Century" panose="02040604050505020304" pitchFamily="18" charset="0"/>
-              </a:rPr>
-              <a:t>	data: {</a:t>
-            </a:r>
-          </a:p>
-          <a:p>
-            <a:pPr marL="1371600" lvl="3" indent="0">
-              <a:buNone/>
-            </a:pPr>
-            <a:r>
-              <a:rPr lang="en-US" sz="2200" dirty="0">
-                <a:latin typeface="Century" panose="02040604050505020304" pitchFamily="18" charset="0"/>
-              </a:rPr>
-              <a:t>	</a:t>
-            </a:r>
-            <a:r>
-              <a:rPr lang="en-US" sz="2200" dirty="0" smtClean="0">
-                <a:latin typeface="Century" panose="02040604050505020304" pitchFamily="18" charset="0"/>
-              </a:rPr>
-              <a:t>		message: ‘Hello </a:t>
-            </a:r>
-            <a:r>
-              <a:rPr lang="en-US" sz="2200" dirty="0" err="1" smtClean="0">
-                <a:latin typeface="Century" panose="02040604050505020304" pitchFamily="18" charset="0"/>
-              </a:rPr>
+              <a:rPr lang="en-US" sz="4400" dirty="0" smtClean="0"/>
+              <a:t> Templates</a:t>
+            </a:r>
+            <a:endParaRPr lang="en-US" sz="4400" dirty="0"/>
+          </a:p>
+        </p:txBody>
+      </p:sp>
+      <p:sp>
+        <p:nvSpPr>
+          <p:cNvPr id="3" name="Content Placeholder 2"/>
+          <p:cNvSpPr>
+            <a:spLocks noGrp="1"/>
+          </p:cNvSpPr>
+          <p:nvPr>
+            <p:ph idx="1"/>
+          </p:nvPr>
+        </p:nvSpPr>
+        <p:spPr>
+          <a:xfrm>
+            <a:off x="680321" y="2336872"/>
+            <a:ext cx="9613861" cy="4109647"/>
+          </a:xfrm>
+        </p:spPr>
+        <p:txBody>
+          <a:bodyPr>
+            <a:normAutofit/>
+          </a:bodyPr>
+          <a:lstStyle/>
+          <a:p>
+            <a:r>
+              <a:rPr lang="en-US" sz="3200" dirty="0" err="1" smtClean="0"/>
               <a:t>Vue</a:t>
             </a:r>
             <a:r>
-              <a:rPr lang="en-US" sz="2200" dirty="0" smtClean="0">
-                <a:latin typeface="Century" panose="02040604050505020304" pitchFamily="18" charset="0"/>
-              </a:rPr>
-              <a:t>!’</a:t>
-            </a:r>
-          </a:p>
-          <a:p>
-            <a:pPr marL="1371600" lvl="3" indent="0">
-              <a:buNone/>
-            </a:pPr>
-            <a:r>
-              <a:rPr lang="en-US" sz="2200" dirty="0">
-                <a:latin typeface="Century" panose="02040604050505020304" pitchFamily="18" charset="0"/>
-              </a:rPr>
-              <a:t>	</a:t>
-            </a:r>
-            <a:r>
-              <a:rPr lang="en-US" sz="2200" dirty="0" smtClean="0">
-                <a:latin typeface="Century" panose="02040604050505020304" pitchFamily="18" charset="0"/>
-              </a:rPr>
-              <a:t>	}</a:t>
-            </a:r>
-          </a:p>
-          <a:p>
-            <a:pPr marL="1371600" lvl="3" indent="0">
-              <a:buNone/>
-            </a:pPr>
-            <a:r>
-              <a:rPr lang="en-US" sz="2200" dirty="0">
-                <a:latin typeface="Century" panose="02040604050505020304" pitchFamily="18" charset="0"/>
-              </a:rPr>
-              <a:t>	</a:t>
-            </a:r>
-            <a:r>
-              <a:rPr lang="en-US" sz="2200" dirty="0" smtClean="0">
-                <a:latin typeface="Century" panose="02040604050505020304" pitchFamily="18" charset="0"/>
-              </a:rPr>
-              <a:t>})</a:t>
-            </a:r>
-          </a:p>
-          <a:p>
-            <a:pPr marL="1371600" lvl="3" indent="0">
-              <a:buNone/>
-            </a:pPr>
+              <a:rPr lang="en-US" sz="3200" dirty="0" smtClean="0"/>
+              <a:t> uses an HTML-based template syntax that allows binding the rendered DOM (Document Object Model) to the underlying </a:t>
+            </a:r>
+            <a:r>
+              <a:rPr lang="en-US" sz="3200" dirty="0" err="1" smtClean="0"/>
+              <a:t>Vue</a:t>
+            </a:r>
+            <a:r>
+              <a:rPr lang="en-US" sz="3200" dirty="0" smtClean="0"/>
+              <a:t> instance’s data.</a:t>
+            </a:r>
+          </a:p>
+          <a:p>
             <a:endParaRPr lang="en-US" dirty="0"/>
-          </a:p>
-          <a:p>
-            <a:pPr marL="1371600" lvl="3" indent="0">
-              <a:buNone/>
-            </a:pPr>
-            <a:endParaRPr lang="en-US" dirty="0" smtClean="0"/>
-          </a:p>
-          <a:p>
-            <a:r>
-              <a:rPr lang="en-US" dirty="0" smtClean="0"/>
-              <a:t>Result:	Hello </a:t>
-            </a:r>
-            <a:r>
-              <a:rPr lang="en-US" dirty="0" err="1" smtClean="0"/>
-              <a:t>Vue</a:t>
-            </a:r>
-            <a:r>
-              <a:rPr lang="en-US" dirty="0" smtClean="0"/>
-              <a:t>!</a:t>
-            </a:r>
           </a:p>
         </p:txBody>
       </p:sp>
     </p:spTree>
     <p:extLst>
       <p:ext uri="{BB962C8B-B14F-4D97-AF65-F5344CB8AC3E}">
-        <p14:creationId xmlns:p14="http://schemas.microsoft.com/office/powerpoint/2010/main" val="655002601"/>
+        <p14:creationId xmlns:p14="http://schemas.microsoft.com/office/powerpoint/2010/main" val="3772769903"/>
       </p:ext>
     </p:extLst>
   </p:cSld>
@@ -9237,14 +9490,20 @@
         </p:nvSpPr>
         <p:spPr/>
         <p:txBody>
-          <a:bodyPr/>
+          <a:bodyPr>
+            <a:normAutofit/>
+          </a:bodyPr>
           <a:lstStyle/>
           <a:p>
             <a:r>
-              <a:rPr lang="en-US" dirty="0" smtClean="0"/>
-              <a:t>Our Example I</a:t>
-            </a:r>
-            <a:endParaRPr lang="en-US" dirty="0"/>
+              <a:rPr lang="en-US" sz="4400" dirty="0" err="1" smtClean="0"/>
+              <a:t>Vue</a:t>
+            </a:r>
+            <a:r>
+              <a:rPr lang="en-US" sz="4400" dirty="0" smtClean="0"/>
+              <a:t> Templates Cont.</a:t>
+            </a:r>
+            <a:endParaRPr lang="en-US" sz="4400" dirty="0"/>
           </a:p>
         </p:txBody>
       </p:sp>
@@ -9260,24 +9519,49 @@
         </p:nvSpPr>
         <p:spPr/>
         <p:txBody>
-          <a:bodyPr/>
+          <a:bodyPr>
+            <a:normAutofit/>
+          </a:bodyPr>
           <a:lstStyle/>
           <a:p>
-            <a:pPr marL="0" indent="0">
-              <a:buNone/>
-            </a:pPr>
-            <a:r>
-              <a:rPr lang="en-US" dirty="0" smtClean="0"/>
-              <a:t>Dynamic Student Rating List</a:t>
-            </a:r>
-            <a:endParaRPr lang="en-US" dirty="0"/>
+            <a:r>
+              <a:rPr lang="en-US" sz="3200" dirty="0"/>
+              <a:t>All </a:t>
+            </a:r>
+            <a:r>
+              <a:rPr lang="en-US" sz="3200" dirty="0" err="1"/>
+              <a:t>Vue</a:t>
+            </a:r>
+            <a:r>
+              <a:rPr lang="en-US" sz="3200" dirty="0"/>
+              <a:t> templates are valid HTML that can be parsed by specification-compliant browsers and HTML parsers.</a:t>
+            </a:r>
+          </a:p>
+          <a:p>
+            <a:r>
+              <a:rPr lang="en-US" sz="3200" dirty="0"/>
+              <a:t>A virtual DOM allows </a:t>
+            </a:r>
+            <a:r>
+              <a:rPr lang="en-US" sz="3200" dirty="0" err="1"/>
+              <a:t>Vue</a:t>
+            </a:r>
+            <a:r>
+              <a:rPr lang="en-US" sz="3200" dirty="0"/>
+              <a:t> to render components in its memory before updating the browser</a:t>
+            </a:r>
+            <a:r>
+              <a:rPr lang="en-US" sz="3200" dirty="0" smtClean="0"/>
+              <a:t>.</a:t>
+            </a:r>
+            <a:endParaRPr lang="en-US" sz="3200" dirty="0"/>
           </a:p>
         </p:txBody>
       </p:sp>
     </p:spTree>
     <p:extLst>
       <p:ext uri="{BB962C8B-B14F-4D97-AF65-F5344CB8AC3E}">
-        <p14:creationId xmlns:p14="http://schemas.microsoft.com/office/powerpoint/2010/main" val="1318162128"/>
+        <p14:creationId xmlns:p14="http://schemas.microsoft.com/office/powerpoint/2010/main" val="2822581341"/>
       </p:ext>
     </p:extLst>
   </p:cSld>
@@ -9316,14 +9600,24 @@
         </p:nvSpPr>
         <p:spPr/>
         <p:txBody>
-          <a:bodyPr/>
+          <a:bodyPr>
+            <a:normAutofit/>
+          </a:bodyPr>
           <a:lstStyle/>
           <a:p>
             <a:r>
-              <a:rPr lang="en-US" dirty="0" smtClean="0"/>
-              <a:t>References</a:t>
-            </a:r>
-            <a:endParaRPr lang="en-US" dirty="0"/>
+              <a:rPr lang="en-US" sz="4400" dirty="0" smtClean="0"/>
+              <a:t>Intro to </a:t>
+            </a:r>
+            <a:r>
+              <a:rPr lang="en-US" sz="4400" dirty="0" err="1" smtClean="0"/>
+              <a:t>Vue</a:t>
+            </a:r>
+            <a:r>
+              <a:rPr lang="en-US" sz="4400" dirty="0" smtClean="0"/>
+              <a:t> Reactivity</a:t>
+            </a:r>
+            <a:endParaRPr lang="en-US" sz="4400" dirty="0"/>
           </a:p>
         </p:txBody>
       </p:sp>
@@ -9339,53 +9633,33 @@
         </p:nvSpPr>
         <p:spPr/>
         <p:txBody>
-          <a:bodyPr/>
+          <a:bodyPr>
+            <a:normAutofit/>
+          </a:bodyPr>
           <a:lstStyle/>
           <a:p>
             <a:r>
-              <a:rPr lang="en-US" dirty="0">
-                <a:hlinkClick r:id="rId2"/>
-              </a:rPr>
-              <a:t>https://</a:t>
-            </a:r>
-            <a:r>
-              <a:rPr lang="en-US" dirty="0" smtClean="0">
-                <a:hlinkClick r:id="rId2"/>
-              </a:rPr>
-              <a:t>en.wikipedia.org/wiki/Vue.js</a:t>
-            </a:r>
-            <a:endParaRPr lang="en-US" dirty="0" smtClean="0"/>
-          </a:p>
-          <a:p>
-            <a:r>
-              <a:rPr lang="en-US" dirty="0">
-                <a:hlinkClick r:id="rId3"/>
-              </a:rPr>
-              <a:t>https://</a:t>
-            </a:r>
-            <a:r>
-              <a:rPr lang="en-US" dirty="0" smtClean="0">
-                <a:hlinkClick r:id="rId3"/>
-              </a:rPr>
-              <a:t>www.w3schools.com/whatis/whatis_vue.asp</a:t>
-            </a:r>
-            <a:endParaRPr lang="en-US" dirty="0" smtClean="0"/>
-          </a:p>
-          <a:p>
-            <a:r>
-              <a:rPr lang="en-US" dirty="0">
-                <a:hlinkClick r:id="rId4"/>
-              </a:rPr>
-              <a:t>https://vuejs.org/v2/guide/</a:t>
-            </a:r>
-            <a:endParaRPr lang="en-US" dirty="0"/>
+              <a:rPr lang="en-US" sz="3200" dirty="0" err="1" smtClean="0"/>
+              <a:t>Vue</a:t>
+            </a:r>
+            <a:r>
+              <a:rPr lang="en-US" sz="3200" dirty="0" smtClean="0"/>
+              <a:t> features a reactivity system that uses plain JavaScript objects and optimized re-rendering.</a:t>
+            </a:r>
+          </a:p>
+          <a:p>
+            <a:r>
+              <a:rPr lang="en-US" sz="3200" dirty="0" smtClean="0"/>
+              <a:t>Each component keeps track of its reactive dependencies during its render, so the system knows precisely when to re-render, and which components to re-render.</a:t>
+            </a:r>
+            <a:endParaRPr lang="en-US" sz="3200" dirty="0"/>
           </a:p>
         </p:txBody>
       </p:sp>
     </p:spTree>
     <p:extLst>
       <p:ext uri="{BB962C8B-B14F-4D97-AF65-F5344CB8AC3E}">
-        <p14:creationId xmlns:p14="http://schemas.microsoft.com/office/powerpoint/2010/main" val="4283461519"/>
+        <p14:creationId xmlns:p14="http://schemas.microsoft.com/office/powerpoint/2010/main" val="2884860875"/>
       </p:ext>
     </p:extLst>
   </p:cSld>
@@ -9424,44 +9698,231 @@
         </p:nvSpPr>
         <p:spPr/>
         <p:txBody>
-          <a:bodyPr/>
+          <a:bodyPr>
+            <a:normAutofit/>
+          </a:bodyPr>
           <a:lstStyle/>
           <a:p>
             <a:r>
+              <a:rPr lang="en-US" sz="4400" dirty="0" smtClean="0"/>
+              <a:t>Simple Way of Including Vue.js</a:t>
+            </a:r>
+            <a:endParaRPr lang="en-US" sz="4400" dirty="0"/>
+          </a:p>
+        </p:txBody>
+      </p:sp>
+      <p:sp>
+        <p:nvSpPr>
+          <p:cNvPr id="3" name="Content Placeholder 2"/>
+          <p:cNvSpPr>
+            <a:spLocks noGrp="1"/>
+          </p:cNvSpPr>
+          <p:nvPr>
+            <p:ph idx="1"/>
+          </p:nvPr>
+        </p:nvSpPr>
+        <p:spPr/>
+        <p:txBody>
+          <a:bodyPr>
+            <a:normAutofit/>
+          </a:bodyPr>
+          <a:lstStyle/>
+          <a:p>
+            <a:r>
               <a:rPr lang="en-US" dirty="0" smtClean="0"/>
-              <a:t>The End</a:t>
-            </a:r>
-            <a:endParaRPr lang="en-US" dirty="0"/>
-          </a:p>
-        </p:txBody>
-      </p:sp>
-      <p:sp>
-        <p:nvSpPr>
-          <p:cNvPr id="3" name="Content Placeholder 2"/>
-          <p:cNvSpPr>
-            <a:spLocks noGrp="1"/>
-          </p:cNvSpPr>
-          <p:nvPr>
-            <p:ph idx="1"/>
-          </p:nvPr>
-        </p:nvSpPr>
-        <p:spPr/>
-        <p:txBody>
-          <a:bodyPr/>
-          <a:lstStyle/>
-          <a:p>
-            <a:r>
-              <a:rPr lang="en-US" dirty="0" smtClean="0"/>
-              <a:t>Hope You Enjoyed!</a:t>
-            </a:r>
-            <a:endParaRPr lang="en-US" dirty="0"/>
+              <a:t>At the top of your index.html file include the following:</a:t>
+            </a:r>
+          </a:p>
+          <a:p>
+            <a:pPr marL="0" indent="0">
+              <a:buNone/>
+            </a:pPr>
+            <a:endParaRPr lang="en-US" dirty="0" smtClean="0"/>
+          </a:p>
+          <a:p>
+            <a:pPr marL="0" indent="0">
+              <a:buNone/>
+            </a:pPr>
+            <a:endParaRPr lang="en-US" dirty="0" smtClean="0"/>
+          </a:p>
+          <a:p>
+            <a:pPr marL="0" indent="0">
+              <a:buNone/>
+            </a:pPr>
+            <a:r>
+              <a:rPr lang="en-US" dirty="0">
+                <a:latin typeface="Century" panose="02040604050505020304" pitchFamily="18" charset="0"/>
+              </a:rPr>
+              <a:t>&lt;!-- development version, includes helpful console warnings </a:t>
+            </a:r>
+            <a:r>
+              <a:rPr lang="en-US" dirty="0" smtClean="0">
+                <a:latin typeface="Century" panose="02040604050505020304" pitchFamily="18" charset="0"/>
+              </a:rPr>
+              <a:t>--&gt;</a:t>
+            </a:r>
+          </a:p>
+          <a:p>
+            <a:pPr marL="0" indent="0">
+              <a:buNone/>
+            </a:pPr>
+            <a:r>
+              <a:rPr lang="en-US" dirty="0" smtClean="0">
+                <a:latin typeface="Century" panose="02040604050505020304" pitchFamily="18" charset="0"/>
+              </a:rPr>
+              <a:t> </a:t>
+            </a:r>
+            <a:r>
+              <a:rPr lang="en-US" dirty="0">
+                <a:solidFill>
+                  <a:schemeClr val="accent4">
+                    <a:lumMod val="60000"/>
+                    <a:lumOff val="40000"/>
+                  </a:schemeClr>
+                </a:solidFill>
+                <a:latin typeface="Century" panose="02040604050505020304" pitchFamily="18" charset="0"/>
+              </a:rPr>
+              <a:t>&lt;</a:t>
+            </a:r>
+            <a:r>
+              <a:rPr lang="en-US" dirty="0" smtClean="0">
+                <a:solidFill>
+                  <a:schemeClr val="accent4">
+                    <a:lumMod val="60000"/>
+                    <a:lumOff val="40000"/>
+                  </a:schemeClr>
+                </a:solidFill>
+                <a:latin typeface="Century" panose="02040604050505020304" pitchFamily="18" charset="0"/>
+              </a:rPr>
+              <a:t>script </a:t>
+            </a:r>
+            <a:r>
+              <a:rPr lang="en-US" dirty="0" err="1" smtClean="0">
+                <a:solidFill>
+                  <a:schemeClr val="accent4">
+                    <a:lumMod val="60000"/>
+                    <a:lumOff val="40000"/>
+                  </a:schemeClr>
+                </a:solidFill>
+                <a:latin typeface="Century" panose="02040604050505020304" pitchFamily="18" charset="0"/>
+              </a:rPr>
+              <a:t>src</a:t>
+            </a:r>
+            <a:r>
+              <a:rPr lang="en-US" dirty="0">
+                <a:solidFill>
+                  <a:schemeClr val="accent4">
+                    <a:lumMod val="60000"/>
+                    <a:lumOff val="40000"/>
+                  </a:schemeClr>
+                </a:solidFill>
+                <a:latin typeface="Century" panose="02040604050505020304" pitchFamily="18" charset="0"/>
+              </a:rPr>
+              <a:t>="</a:t>
+            </a:r>
+            <a:r>
+              <a:rPr lang="en-US" dirty="0">
+                <a:solidFill>
+                  <a:schemeClr val="accent3">
+                    <a:lumMod val="60000"/>
+                    <a:lumOff val="40000"/>
+                  </a:schemeClr>
+                </a:solidFill>
+                <a:latin typeface="Century" panose="02040604050505020304" pitchFamily="18" charset="0"/>
+              </a:rPr>
+              <a:t>https://cdn.jsdelivr.net/</a:t>
+            </a:r>
+            <a:r>
+              <a:rPr lang="en-US" dirty="0" err="1">
+                <a:solidFill>
+                  <a:schemeClr val="accent3">
+                    <a:lumMod val="60000"/>
+                    <a:lumOff val="40000"/>
+                  </a:schemeClr>
+                </a:solidFill>
+                <a:latin typeface="Century" panose="02040604050505020304" pitchFamily="18" charset="0"/>
+              </a:rPr>
+              <a:t>npm</a:t>
+            </a:r>
+            <a:r>
+              <a:rPr lang="en-US" dirty="0">
+                <a:solidFill>
+                  <a:schemeClr val="accent3">
+                    <a:lumMod val="60000"/>
+                    <a:lumOff val="40000"/>
+                  </a:schemeClr>
+                </a:solidFill>
+                <a:latin typeface="Century" panose="02040604050505020304" pitchFamily="18" charset="0"/>
+              </a:rPr>
+              <a:t>/</a:t>
+            </a:r>
+            <a:r>
+              <a:rPr lang="en-US" dirty="0" err="1">
+                <a:solidFill>
+                  <a:schemeClr val="accent3">
+                    <a:lumMod val="60000"/>
+                    <a:lumOff val="40000"/>
+                  </a:schemeClr>
+                </a:solidFill>
+                <a:latin typeface="Century" panose="02040604050505020304" pitchFamily="18" charset="0"/>
+              </a:rPr>
+              <a:t>vue</a:t>
+            </a:r>
+            <a:r>
+              <a:rPr lang="en-US" dirty="0">
+                <a:solidFill>
+                  <a:schemeClr val="accent3">
+                    <a:lumMod val="60000"/>
+                    <a:lumOff val="40000"/>
+                  </a:schemeClr>
+                </a:solidFill>
+                <a:latin typeface="Century" panose="02040604050505020304" pitchFamily="18" charset="0"/>
+              </a:rPr>
+              <a:t>/</a:t>
+            </a:r>
+            <a:r>
+              <a:rPr lang="en-US" dirty="0" err="1">
+                <a:solidFill>
+                  <a:schemeClr val="accent3">
+                    <a:lumMod val="60000"/>
+                    <a:lumOff val="40000"/>
+                  </a:schemeClr>
+                </a:solidFill>
+                <a:latin typeface="Century" panose="02040604050505020304" pitchFamily="18" charset="0"/>
+              </a:rPr>
+              <a:t>dist</a:t>
+            </a:r>
+            <a:r>
+              <a:rPr lang="en-US" dirty="0">
+                <a:solidFill>
+                  <a:schemeClr val="accent3">
+                    <a:lumMod val="60000"/>
+                    <a:lumOff val="40000"/>
+                  </a:schemeClr>
+                </a:solidFill>
+                <a:latin typeface="Century" panose="02040604050505020304" pitchFamily="18" charset="0"/>
+              </a:rPr>
+              <a:t>/vue.js"</a:t>
+            </a:r>
+            <a:r>
+              <a:rPr lang="en-US" dirty="0">
+                <a:solidFill>
+                  <a:schemeClr val="accent4">
+                    <a:lumMod val="60000"/>
+                    <a:lumOff val="40000"/>
+                  </a:schemeClr>
+                </a:solidFill>
+                <a:latin typeface="Century" panose="02040604050505020304" pitchFamily="18" charset="0"/>
+              </a:rPr>
+              <a:t>&gt;&lt;/script&gt;</a:t>
+            </a:r>
           </a:p>
         </p:txBody>
       </p:sp>
     </p:spTree>
     <p:extLst>
       <p:ext uri="{BB962C8B-B14F-4D97-AF65-F5344CB8AC3E}">
-        <p14:creationId xmlns:p14="http://schemas.microsoft.com/office/powerpoint/2010/main" val="3963658789"/>
+        <p14:creationId xmlns:p14="http://schemas.microsoft.com/office/powerpoint/2010/main" val="1560752485"/>
       </p:ext>
     </p:extLst>
   </p:cSld>

--- a/Vue.pptx
+++ b/Vue.pptx
@@ -8400,6 +8400,13 @@
   <p:clrMapOvr>
     <a:masterClrMapping/>
   </p:clrMapOvr>
+  <p:timing>
+    <p:tnLst>
+      <p:par>
+        <p:cTn id="1" dur="indefinite" restart="never" nodeType="tmRoot"/>
+      </p:par>
+    </p:tnLst>
+  </p:timing>
 </p:sld>
 </file>
 
@@ -8641,6 +8648,13 @@
   <p:clrMapOvr>
     <a:masterClrMapping/>
   </p:clrMapOvr>
+  <p:timing>
+    <p:tnLst>
+      <p:par>
+        <p:cTn id="1" dur="indefinite" restart="never" nodeType="tmRoot"/>
+      </p:par>
+    </p:tnLst>
+  </p:timing>
 </p:sld>
 </file>
 
@@ -8724,6 +8738,13 @@
   <p:clrMapOvr>
     <a:masterClrMapping/>
   </p:clrMapOvr>
+  <p:timing>
+    <p:tnLst>
+      <p:par>
+        <p:cTn id="1" dur="indefinite" restart="never" nodeType="tmRoot"/>
+      </p:par>
+    </p:tnLst>
+  </p:timing>
 </p:sld>
 </file>
 
@@ -8834,6 +8855,13 @@
   <p:clrMapOvr>
     <a:masterClrMapping/>
   </p:clrMapOvr>
+  <p:timing>
+    <p:tnLst>
+      <p:par>
+        <p:cTn id="1" dur="indefinite" restart="never" nodeType="tmRoot"/>
+      </p:par>
+    </p:tnLst>
+  </p:timing>
 </p:sld>
 </file>
 
@@ -8914,6 +8942,13 @@
   <p:clrMapOvr>
     <a:masterClrMapping/>
   </p:clrMapOvr>
+  <p:timing>
+    <p:tnLst>
+      <p:par>
+        <p:cTn id="1" dur="indefinite" restart="never" nodeType="tmRoot"/>
+      </p:par>
+    </p:tnLst>
+  </p:timing>
 </p:sld>
 </file>
 
@@ -9003,6 +9038,156 @@
           </a:p>
         </p:txBody>
       </p:sp>
+      <p:pic>
+        <p:nvPicPr>
+          <p:cNvPr id="4" name="Picture 3"/>
+          <p:cNvPicPr>
+            <a:picLocks noChangeAspect="1"/>
+          </p:cNvPicPr>
+          <p:nvPr/>
+        </p:nvPicPr>
+        <p:blipFill>
+          <a:blip r:embed="rId2" cstate="print">
+            <a:extLst>
+              <a:ext uri="{28A0092B-C50C-407E-A947-70E740481C1C}">
+                <a14:useLocalDpi xmlns:a14="http://schemas.microsoft.com/office/drawing/2010/main" val="0"/>
+              </a:ext>
+            </a:extLst>
+          </a:blip>
+          <a:stretch>
+            <a:fillRect/>
+          </a:stretch>
+        </p:blipFill>
+        <p:spPr>
+          <a:xfrm>
+            <a:off x="582440" y="3528389"/>
+            <a:ext cx="2613683" cy="1742455"/>
+          </a:xfrm>
+          <a:prstGeom prst="rect">
+            <a:avLst/>
+          </a:prstGeom>
+        </p:spPr>
+      </p:pic>
+      <p:pic>
+        <p:nvPicPr>
+          <p:cNvPr id="5" name="Picture 4"/>
+          <p:cNvPicPr>
+            <a:picLocks noChangeAspect="1"/>
+          </p:cNvPicPr>
+          <p:nvPr/>
+        </p:nvPicPr>
+        <p:blipFill>
+          <a:blip r:embed="rId3" cstate="print">
+            <a:extLst>
+              <a:ext uri="{28A0092B-C50C-407E-A947-70E740481C1C}">
+                <a14:useLocalDpi xmlns:a14="http://schemas.microsoft.com/office/drawing/2010/main" val="0"/>
+              </a:ext>
+            </a:extLst>
+          </a:blip>
+          <a:stretch>
+            <a:fillRect/>
+          </a:stretch>
+        </p:blipFill>
+        <p:spPr>
+          <a:xfrm>
+            <a:off x="4867885" y="3204366"/>
+            <a:ext cx="2087168" cy="2390503"/>
+          </a:xfrm>
+          <a:prstGeom prst="rect">
+            <a:avLst/>
+          </a:prstGeom>
+        </p:spPr>
+      </p:pic>
+      <p:pic>
+        <p:nvPicPr>
+          <p:cNvPr id="6" name="Picture 5"/>
+          <p:cNvPicPr>
+            <a:picLocks noChangeAspect="1"/>
+          </p:cNvPicPr>
+          <p:nvPr/>
+        </p:nvPicPr>
+        <p:blipFill>
+          <a:blip r:embed="rId4" cstate="print">
+            <a:extLst>
+              <a:ext uri="{28A0092B-C50C-407E-A947-70E740481C1C}">
+                <a14:useLocalDpi xmlns:a14="http://schemas.microsoft.com/office/drawing/2010/main" val="0"/>
+              </a:ext>
+            </a:extLst>
+          </a:blip>
+          <a:stretch>
+            <a:fillRect/>
+          </a:stretch>
+        </p:blipFill>
+        <p:spPr>
+          <a:xfrm>
+            <a:off x="9308248" y="3101145"/>
+            <a:ext cx="2047603" cy="2730137"/>
+          </a:xfrm>
+          <a:prstGeom prst="rect">
+            <a:avLst/>
+          </a:prstGeom>
+        </p:spPr>
+      </p:pic>
+      <p:pic>
+        <p:nvPicPr>
+          <p:cNvPr id="7" name="Picture 6"/>
+          <p:cNvPicPr>
+            <a:picLocks noChangeAspect="1"/>
+          </p:cNvPicPr>
+          <p:nvPr/>
+        </p:nvPicPr>
+        <p:blipFill>
+          <a:blip r:embed="rId5">
+            <a:extLst>
+              <a:ext uri="{28A0092B-C50C-407E-A947-70E740481C1C}">
+                <a14:useLocalDpi xmlns:a14="http://schemas.microsoft.com/office/drawing/2010/main" val="0"/>
+              </a:ext>
+            </a:extLst>
+          </a:blip>
+          <a:stretch>
+            <a:fillRect/>
+          </a:stretch>
+        </p:blipFill>
+        <p:spPr>
+          <a:xfrm>
+            <a:off x="6955053" y="3291343"/>
+            <a:ext cx="2349742" cy="2349742"/>
+          </a:xfrm>
+          <a:prstGeom prst="rect">
+            <a:avLst/>
+          </a:prstGeom>
+        </p:spPr>
+      </p:pic>
+      <p:pic>
+        <p:nvPicPr>
+          <p:cNvPr id="8" name="Picture 7"/>
+          <p:cNvPicPr>
+            <a:picLocks noChangeAspect="1"/>
+          </p:cNvPicPr>
+          <p:nvPr/>
+        </p:nvPicPr>
+        <p:blipFill>
+          <a:blip r:embed="rId6" cstate="print">
+            <a:extLst>
+              <a:ext uri="{28A0092B-C50C-407E-A947-70E740481C1C}">
+                <a14:useLocalDpi xmlns:a14="http://schemas.microsoft.com/office/drawing/2010/main" val="0"/>
+              </a:ext>
+            </a:extLst>
+          </a:blip>
+          <a:stretch>
+            <a:fillRect/>
+          </a:stretch>
+        </p:blipFill>
+        <p:spPr>
+          <a:xfrm rot="16200000">
+            <a:off x="2669096" y="3800638"/>
+            <a:ext cx="2725816" cy="1533272"/>
+          </a:xfrm>
+          <a:prstGeom prst="rect">
+            <a:avLst/>
+          </a:prstGeom>
+        </p:spPr>
+      </p:pic>
     </p:spTree>
     <p:extLst>
       <p:ext uri="{BB962C8B-B14F-4D97-AF65-F5344CB8AC3E}">
@@ -9013,6 +9198,13 @@
   <p:clrMapOvr>
     <a:masterClrMapping/>
   </p:clrMapOvr>
+  <p:timing>
+    <p:tnLst>
+      <p:par>
+        <p:cTn id="1" dur="indefinite" restart="never" nodeType="tmRoot"/>
+      </p:par>
+    </p:tnLst>
+  </p:timing>
 </p:sld>
 </file>
 
@@ -9102,15 +9294,7 @@
           <a:p>
             <a:r>
               <a:rPr lang="en-US" dirty="0" smtClean="0"/>
-              <a:t>Designed from the </a:t>
-            </a:r>
-            <a:r>
-              <a:rPr lang="en-US" dirty="0" smtClean="0"/>
-              <a:t>ground-up </a:t>
-            </a:r>
-            <a:r>
-              <a:rPr lang="en-US" dirty="0" smtClean="0"/>
-              <a:t>to be incrementally adoptable</a:t>
+              <a:t>Designed from the ground-up to be incrementally adoptable</a:t>
             </a:r>
           </a:p>
           <a:p>
@@ -9133,6 +9317,13 @@
   <p:clrMapOvr>
     <a:masterClrMapping/>
   </p:clrMapOvr>
+  <p:timing>
+    <p:tnLst>
+      <p:par>
+        <p:cTn id="1" dur="indefinite" restart="never" nodeType="tmRoot"/>
+      </p:par>
+    </p:tnLst>
+  </p:timing>
 </p:sld>
 </file>
 
@@ -9237,6 +9428,13 @@
   <p:clrMapOvr>
     <a:masterClrMapping/>
   </p:clrMapOvr>
+  <p:timing>
+    <p:tnLst>
+      <p:par>
+        <p:cTn id="1" dur="indefinite" restart="never" nodeType="tmRoot"/>
+      </p:par>
+    </p:tnLst>
+  </p:timing>
 </p:sld>
 </file>
 
@@ -9351,6 +9549,13 @@
   <p:clrMapOvr>
     <a:masterClrMapping/>
   </p:clrMapOvr>
+  <p:timing>
+    <p:tnLst>
+      <p:par>
+        <p:cTn id="1" dur="indefinite" restart="never" nodeType="tmRoot"/>
+      </p:par>
+    </p:tnLst>
+  </p:timing>
 </p:sld>
 </file>
 
@@ -9458,6 +9663,13 @@
   <p:clrMapOvr>
     <a:masterClrMapping/>
   </p:clrMapOvr>
+  <p:timing>
+    <p:tnLst>
+      <p:par>
+        <p:cTn id="1" dur="indefinite" restart="never" nodeType="tmRoot"/>
+      </p:par>
+    </p:tnLst>
+  </p:timing>
 </p:sld>
 </file>
 
@@ -9568,6 +9780,13 @@
   <p:clrMapOvr>
     <a:masterClrMapping/>
   </p:clrMapOvr>
+  <p:timing>
+    <p:tnLst>
+      <p:par>
+        <p:cTn id="1" dur="indefinite" restart="never" nodeType="tmRoot"/>
+      </p:par>
+    </p:tnLst>
+  </p:timing>
 </p:sld>
 </file>
 
@@ -9666,6 +9885,13 @@
   <p:clrMapOvr>
     <a:masterClrMapping/>
   </p:clrMapOvr>
+  <p:timing>
+    <p:tnLst>
+      <p:par>
+        <p:cTn id="1" dur="indefinite" restart="never" nodeType="tmRoot"/>
+      </p:par>
+    </p:tnLst>
+  </p:timing>
 </p:sld>
 </file>
 
@@ -9929,6 +10155,13 @@
   <p:clrMapOvr>
     <a:masterClrMapping/>
   </p:clrMapOvr>
+  <p:timing>
+    <p:tnLst>
+      <p:par>
+        <p:cTn id="1" dur="indefinite" restart="never" nodeType="tmRoot"/>
+      </p:par>
+    </p:tnLst>
+  </p:timing>
 </p:sld>
 </file>
 

--- a/Vue.pptx
+++ b/Vue.pptx
@@ -209,7 +209,7 @@
           <a:p>
             <a:fld id="{55F8373D-1D0F-45EE-AF31-210D17D45FDA}" type="datetimeFigureOut">
               <a:rPr lang="en-US" smtClean="0"/>
-              <a:t>10/3/2019</a:t>
+              <a:t>10/4/2019</a:t>
             </a:fld>
             <a:endParaRPr lang="en-US"/>
           </a:p>
@@ -986,7 +986,7 @@
           <a:p>
             <a:fld id="{C3B894EB-AF30-42B3-8DE6-E96C93874116}" type="datetimeFigureOut">
               <a:rPr lang="en-US" smtClean="0"/>
-              <a:t>10/3/2019</a:t>
+              <a:t>10/4/2019</a:t>
             </a:fld>
             <a:endParaRPr lang="en-US"/>
           </a:p>
@@ -1400,7 +1400,7 @@
           <a:p>
             <a:fld id="{C3B894EB-AF30-42B3-8DE6-E96C93874116}" type="datetimeFigureOut">
               <a:rPr lang="en-US" smtClean="0"/>
-              <a:t>10/3/2019</a:t>
+              <a:t>10/4/2019</a:t>
             </a:fld>
             <a:endParaRPr lang="en-US"/>
           </a:p>
@@ -1736,7 +1736,7 @@
           <a:p>
             <a:fld id="{C3B894EB-AF30-42B3-8DE6-E96C93874116}" type="datetimeFigureOut">
               <a:rPr lang="en-US" smtClean="0"/>
-              <a:t>10/3/2019</a:t>
+              <a:t>10/4/2019</a:t>
             </a:fld>
             <a:endParaRPr lang="en-US"/>
           </a:p>
@@ -2141,7 +2141,7 @@
           <a:p>
             <a:fld id="{C3B894EB-AF30-42B3-8DE6-E96C93874116}" type="datetimeFigureOut">
               <a:rPr lang="en-US" smtClean="0"/>
-              <a:t>10/3/2019</a:t>
+              <a:t>10/4/2019</a:t>
             </a:fld>
             <a:endParaRPr lang="en-US"/>
           </a:p>
@@ -2709,7 +2709,7 @@
           <a:p>
             <a:fld id="{C3B894EB-AF30-42B3-8DE6-E96C93874116}" type="datetimeFigureOut">
               <a:rPr lang="en-US" smtClean="0"/>
-              <a:t>10/3/2019</a:t>
+              <a:t>10/4/2019</a:t>
             </a:fld>
             <a:endParaRPr lang="en-US"/>
           </a:p>
@@ -3390,7 +3390,7 @@
           <a:p>
             <a:fld id="{C3B894EB-AF30-42B3-8DE6-E96C93874116}" type="datetimeFigureOut">
               <a:rPr lang="en-US" smtClean="0"/>
-              <a:t>10/3/2019</a:t>
+              <a:t>10/4/2019</a:t>
             </a:fld>
             <a:endParaRPr lang="en-US"/>
           </a:p>
@@ -4303,7 +4303,7 @@
           <a:p>
             <a:fld id="{C3B894EB-AF30-42B3-8DE6-E96C93874116}" type="datetimeFigureOut">
               <a:rPr lang="en-US" smtClean="0"/>
-              <a:t>10/3/2019</a:t>
+              <a:t>10/4/2019</a:t>
             </a:fld>
             <a:endParaRPr lang="en-US"/>
           </a:p>
@@ -4616,7 +4616,7 @@
           <a:p>
             <a:fld id="{C3B894EB-AF30-42B3-8DE6-E96C93874116}" type="datetimeFigureOut">
               <a:rPr lang="en-US" smtClean="0"/>
-              <a:t>10/3/2019</a:t>
+              <a:t>10/4/2019</a:t>
             </a:fld>
             <a:endParaRPr lang="en-US"/>
           </a:p>
@@ -4880,7 +4880,7 @@
           <a:p>
             <a:fld id="{C3B894EB-AF30-42B3-8DE6-E96C93874116}" type="datetimeFigureOut">
               <a:rPr lang="en-US" smtClean="0"/>
-              <a:t>10/3/2019</a:t>
+              <a:t>10/4/2019</a:t>
             </a:fld>
             <a:endParaRPr lang="en-US"/>
           </a:p>
@@ -5203,7 +5203,7 @@
           <a:p>
             <a:fld id="{C3B894EB-AF30-42B3-8DE6-E96C93874116}" type="datetimeFigureOut">
               <a:rPr lang="en-US" smtClean="0"/>
-              <a:t>10/3/2019</a:t>
+              <a:t>10/4/2019</a:t>
             </a:fld>
             <a:endParaRPr lang="en-US"/>
           </a:p>
@@ -5592,7 +5592,7 @@
           <a:p>
             <a:fld id="{C3B894EB-AF30-42B3-8DE6-E96C93874116}" type="datetimeFigureOut">
               <a:rPr lang="en-US" smtClean="0"/>
-              <a:t>10/3/2019</a:t>
+              <a:t>10/4/2019</a:t>
             </a:fld>
             <a:endParaRPr lang="en-US"/>
           </a:p>
@@ -5968,7 +5968,7 @@
           <a:p>
             <a:fld id="{C3B894EB-AF30-42B3-8DE6-E96C93874116}" type="datetimeFigureOut">
               <a:rPr lang="en-US" smtClean="0"/>
-              <a:t>10/3/2019</a:t>
+              <a:t>10/4/2019</a:t>
             </a:fld>
             <a:endParaRPr lang="en-US"/>
           </a:p>
@@ -6474,7 +6474,7 @@
           <a:p>
             <a:fld id="{C3B894EB-AF30-42B3-8DE6-E96C93874116}" type="datetimeFigureOut">
               <a:rPr lang="en-US" smtClean="0"/>
-              <a:t>10/3/2019</a:t>
+              <a:t>10/4/2019</a:t>
             </a:fld>
             <a:endParaRPr lang="en-US"/>
           </a:p>
@@ -6731,7 +6731,7 @@
           <a:p>
             <a:fld id="{C3B894EB-AF30-42B3-8DE6-E96C93874116}" type="datetimeFigureOut">
               <a:rPr lang="en-US" smtClean="0"/>
-              <a:t>10/3/2019</a:t>
+              <a:t>10/4/2019</a:t>
             </a:fld>
             <a:endParaRPr lang="en-US"/>
           </a:p>
@@ -6894,7 +6894,7 @@
           <a:p>
             <a:fld id="{C3B894EB-AF30-42B3-8DE6-E96C93874116}" type="datetimeFigureOut">
               <a:rPr lang="en-US" smtClean="0"/>
-              <a:t>10/3/2019</a:t>
+              <a:t>10/4/2019</a:t>
             </a:fld>
             <a:endParaRPr lang="en-US"/>
           </a:p>
@@ -7284,7 +7284,7 @@
           <a:p>
             <a:fld id="{C3B894EB-AF30-42B3-8DE6-E96C93874116}" type="datetimeFigureOut">
               <a:rPr lang="en-US" smtClean="0"/>
-              <a:t>10/3/2019</a:t>
+              <a:t>10/4/2019</a:t>
             </a:fld>
             <a:endParaRPr lang="en-US"/>
           </a:p>
@@ -7693,7 +7693,7 @@
           <a:p>
             <a:fld id="{C3B894EB-AF30-42B3-8DE6-E96C93874116}" type="datetimeFigureOut">
               <a:rPr lang="en-US" smtClean="0"/>
-              <a:t>10/3/2019</a:t>
+              <a:t>10/4/2019</a:t>
             </a:fld>
             <a:endParaRPr lang="en-US"/>
           </a:p>
@@ -7937,7 +7937,7 @@
           <a:p>
             <a:fld id="{C3B894EB-AF30-42B3-8DE6-E96C93874116}" type="datetimeFigureOut">
               <a:rPr lang="en-US" smtClean="0"/>
-              <a:t>10/3/2019</a:t>
+              <a:t>10/4/2019</a:t>
             </a:fld>
             <a:endParaRPr lang="en-US"/>
           </a:p>
@@ -9637,7 +9637,15 @@
             </a:r>
             <a:r>
               <a:rPr lang="en-US" sz="3200" dirty="0" smtClean="0"/>
-              <a:t> uses an HTML-based template syntax that allows binding the rendered DOM (Document Object Model) to the underlying </a:t>
+              <a:t> uses an HTML-based template syntax that allows </a:t>
+            </a:r>
+            <a:r>
+              <a:rPr lang="en-US" sz="3200" dirty="0" smtClean="0"/>
+              <a:t>the user to bind the </a:t>
+            </a:r>
+            <a:r>
+              <a:rPr lang="en-US" sz="3200" dirty="0" smtClean="0"/>
+              <a:t>rendered DOM (Document Object Model) to the underlying </a:t>
             </a:r>
             <a:r>
               <a:rPr lang="en-US" sz="3200" dirty="0" err="1" smtClean="0"/>
@@ -9737,16 +9745,24 @@
           <a:lstStyle/>
           <a:p>
             <a:r>
+              <a:rPr lang="en-US" sz="3200" dirty="0" err="1" smtClean="0"/>
+              <a:t>Vue</a:t>
+            </a:r>
+            <a:r>
+              <a:rPr lang="en-US" sz="3200" dirty="0" smtClean="0"/>
+              <a:t> </a:t>
+            </a:r>
+            <a:r>
               <a:rPr lang="en-US" sz="3200" dirty="0"/>
-              <a:t>All </a:t>
-            </a:r>
-            <a:r>
-              <a:rPr lang="en-US" sz="3200" dirty="0" err="1"/>
-              <a:t>Vue</a:t>
+              <a:t>templates are valid HTML that can be parsed by </a:t>
+            </a:r>
+            <a:r>
+              <a:rPr lang="en-US" sz="3200" dirty="0" smtClean="0"/>
+              <a:t>most modern </a:t>
             </a:r>
             <a:r>
               <a:rPr lang="en-US" sz="3200" dirty="0"/>
-              <a:t> templates are valid HTML that can be parsed by specification-compliant browsers and HTML parsers.</a:t>
+              <a:t>browsers and HTML parsers.</a:t>
             </a:r>
           </a:p>
           <a:p>
